--- a/06.php-bacics-3.pptx
+++ b/06.php-bacics-3.pptx
@@ -125,6 +125,11 @@
       </a:defRPr>
     </a:lvl9pPr>
   </p:defaultTextStyle>
+  <p:extLst>
+    <p:ext uri="{EFAFB233-063F-42B5-8137-9DF3F51BA10A}">
+      <p15:sldGuideLst xmlns:p15="http://schemas.microsoft.com/office/powerpoint/2012/main"/>
+    </p:ext>
+  </p:extLst>
 </p:presentation>
 </file>
 
@@ -299,7 +304,7 @@
           <a:p>
             <a:fld id="{8E57C33F-FC88-4120-B878-9148FF06A660}" type="datetimeFigureOut">
               <a:rPr lang="en-US" smtClean="0"/>
-              <a:t>11/26/2014</a:t>
+              <a:t>11/30/2014</a:t>
             </a:fld>
             <a:endParaRPr lang="en-US"/>
           </a:p>
@@ -611,7 +616,7 @@
           <a:p>
             <a:fld id="{8E57C33F-FC88-4120-B878-9148FF06A660}" type="datetimeFigureOut">
               <a:rPr lang="en-US" smtClean="0"/>
-              <a:t>11/26/2014</a:t>
+              <a:t>11/30/2014</a:t>
             </a:fld>
             <a:endParaRPr lang="en-US"/>
           </a:p>
@@ -833,7 +838,7 @@
           <a:p>
             <a:fld id="{8E57C33F-FC88-4120-B878-9148FF06A660}" type="datetimeFigureOut">
               <a:rPr lang="en-US" smtClean="0"/>
-              <a:t>11/26/2014</a:t>
+              <a:t>11/30/2014</a:t>
             </a:fld>
             <a:endParaRPr lang="en-US"/>
           </a:p>
@@ -1124,7 +1129,7 @@
           <a:p>
             <a:fld id="{8E57C33F-FC88-4120-B878-9148FF06A660}" type="datetimeFigureOut">
               <a:rPr lang="en-US" smtClean="0"/>
-              <a:t>11/26/2014</a:t>
+              <a:t>11/30/2014</a:t>
             </a:fld>
             <a:endParaRPr lang="en-US"/>
           </a:p>
@@ -1578,7 +1583,7 @@
           <a:p>
             <a:fld id="{8E57C33F-FC88-4120-B878-9148FF06A660}" type="datetimeFigureOut">
               <a:rPr lang="en-US" smtClean="0"/>
-              <a:t>11/26/2014</a:t>
+              <a:t>11/30/2014</a:t>
             </a:fld>
             <a:endParaRPr lang="en-US"/>
           </a:p>
@@ -2154,7 +2159,7 @@
           <a:p>
             <a:fld id="{8E57C33F-FC88-4120-B878-9148FF06A660}" type="datetimeFigureOut">
               <a:rPr lang="en-US" smtClean="0"/>
-              <a:t>11/26/2014</a:t>
+              <a:t>11/30/2014</a:t>
             </a:fld>
             <a:endParaRPr lang="en-US"/>
           </a:p>
@@ -3006,7 +3011,7 @@
           <a:p>
             <a:fld id="{8E57C33F-FC88-4120-B878-9148FF06A660}" type="datetimeFigureOut">
               <a:rPr lang="en-US" smtClean="0"/>
-              <a:t>11/26/2014</a:t>
+              <a:t>11/30/2014</a:t>
             </a:fld>
             <a:endParaRPr lang="en-US"/>
           </a:p>
@@ -3211,7 +3216,7 @@
           <a:p>
             <a:fld id="{8E57C33F-FC88-4120-B878-9148FF06A660}" type="datetimeFigureOut">
               <a:rPr lang="en-US" smtClean="0"/>
-              <a:t>11/26/2014</a:t>
+              <a:t>11/30/2014</a:t>
             </a:fld>
             <a:endParaRPr lang="en-US"/>
           </a:p>
@@ -3425,7 +3430,7 @@
           <a:p>
             <a:fld id="{8E57C33F-FC88-4120-B878-9148FF06A660}" type="datetimeFigureOut">
               <a:rPr lang="en-US" smtClean="0"/>
-              <a:t>11/26/2014</a:t>
+              <a:t>11/30/2014</a:t>
             </a:fld>
             <a:endParaRPr lang="en-US"/>
           </a:p>
@@ -3630,7 +3635,7 @@
           <a:p>
             <a:fld id="{8E57C33F-FC88-4120-B878-9148FF06A660}" type="datetimeFigureOut">
               <a:rPr lang="en-US" smtClean="0"/>
-              <a:t>11/26/2014</a:t>
+              <a:t>11/30/2014</a:t>
             </a:fld>
             <a:endParaRPr lang="en-US"/>
           </a:p>
@@ -3910,7 +3915,7 @@
           <a:p>
             <a:fld id="{8E57C33F-FC88-4120-B878-9148FF06A660}" type="datetimeFigureOut">
               <a:rPr lang="en-US" smtClean="0"/>
-              <a:t>11/26/2014</a:t>
+              <a:t>11/30/2014</a:t>
             </a:fld>
             <a:endParaRPr lang="en-US"/>
           </a:p>
@@ -4177,7 +4182,7 @@
           <a:p>
             <a:fld id="{8E57C33F-FC88-4120-B878-9148FF06A660}" type="datetimeFigureOut">
               <a:rPr lang="en-US" smtClean="0"/>
-              <a:t>11/26/2014</a:t>
+              <a:t>11/30/2014</a:t>
             </a:fld>
             <a:endParaRPr lang="en-US"/>
           </a:p>
@@ -4592,7 +4597,7 @@
           <a:p>
             <a:fld id="{8E57C33F-FC88-4120-B878-9148FF06A660}" type="datetimeFigureOut">
               <a:rPr lang="en-US" smtClean="0"/>
-              <a:t>11/26/2014</a:t>
+              <a:t>11/30/2014</a:t>
             </a:fld>
             <a:endParaRPr lang="en-US"/>
           </a:p>
@@ -4740,7 +4745,7 @@
           <a:p>
             <a:fld id="{8E57C33F-FC88-4120-B878-9148FF06A660}" type="datetimeFigureOut">
               <a:rPr lang="en-US" smtClean="0"/>
-              <a:t>11/26/2014</a:t>
+              <a:t>11/30/2014</a:t>
             </a:fld>
             <a:endParaRPr lang="en-US"/>
           </a:p>
@@ -4865,7 +4870,7 @@
           <a:p>
             <a:fld id="{8E57C33F-FC88-4120-B878-9148FF06A660}" type="datetimeFigureOut">
               <a:rPr lang="en-US" smtClean="0"/>
-              <a:t>11/26/2014</a:t>
+              <a:t>11/30/2014</a:t>
             </a:fld>
             <a:endParaRPr lang="en-US"/>
           </a:p>
@@ -5144,7 +5149,7 @@
           <a:p>
             <a:fld id="{8E57C33F-FC88-4120-B878-9148FF06A660}" type="datetimeFigureOut">
               <a:rPr lang="en-US" smtClean="0"/>
-              <a:t>11/26/2014</a:t>
+              <a:t>11/30/2014</a:t>
             </a:fld>
             <a:endParaRPr lang="en-US"/>
           </a:p>
@@ -5456,7 +5461,7 @@
           <a:p>
             <a:fld id="{8E57C33F-FC88-4120-B878-9148FF06A660}" type="datetimeFigureOut">
               <a:rPr lang="en-US" smtClean="0"/>
-              <a:t>11/26/2014</a:t>
+              <a:t>11/30/2014</a:t>
             </a:fld>
             <a:endParaRPr lang="en-US"/>
           </a:p>
@@ -5709,7 +5714,7 @@
           <a:p>
             <a:fld id="{8E57C33F-FC88-4120-B878-9148FF06A660}" type="datetimeFigureOut">
               <a:rPr lang="en-US" smtClean="0"/>
-              <a:t>11/26/2014</a:t>
+              <a:t>11/30/2014</a:t>
             </a:fld>
             <a:endParaRPr lang="en-US"/>
           </a:p>
@@ -6210,8 +6215,12 @@
           <a:lstStyle/>
           <a:p>
             <a:r>
-              <a:rPr lang="bg-BG" dirty="0" smtClean="0"/>
-              <a:t>ЧАСТ ВТОРА</a:t>
+              <a:rPr lang="bg-BG" smtClean="0"/>
+              <a:t>ЧАСТ </a:t>
+            </a:r>
+            <a:r>
+              <a:rPr lang="bg-BG" smtClean="0"/>
+              <a:t>трета</a:t>
             </a:r>
             <a:endParaRPr lang="en-US" dirty="0"/>
           </a:p>
